--- a/Catch Maker.pptx
+++ b/Catch Maker.pptx
@@ -9,6 +9,9 @@
     <p:sldId id="261" r:id="rId3"/>
     <p:sldId id="262" r:id="rId4"/>
     <p:sldId id="263" r:id="rId5"/>
+    <p:sldId id="264" r:id="rId6"/>
+    <p:sldId id="265" r:id="rId7"/>
+    <p:sldId id="266" r:id="rId8"/>
   </p:sldIdLst>
   <p:sldSz cx="12192000" cy="6858000"/>
   <p:notesSz cx="6858000" cy="9144000"/>
@@ -4929,6 +4932,485 @@
 </p:sld>
 </file>
 
+<file path=ppt/slides/slide5.xml><?xml version="1.0" encoding="utf-8"?>
+<p:sld xmlns:a="http://schemas.openxmlformats.org/drawingml/2006/main" xmlns:r="http://schemas.openxmlformats.org/officeDocument/2006/relationships" xmlns:p="http://schemas.openxmlformats.org/presentationml/2006/main">
+  <p:cSld>
+    <p:spTree>
+      <p:nvGrpSpPr>
+        <p:cNvPr id="1" name=""/>
+        <p:cNvGrpSpPr/>
+        <p:nvPr/>
+      </p:nvGrpSpPr>
+      <p:grpSpPr>
+        <a:xfrm>
+          <a:off x="0" y="0"/>
+          <a:ext cx="0" cy="0"/>
+          <a:chOff x="0" y="0"/>
+          <a:chExt cx="0" cy="0"/>
+        </a:xfrm>
+      </p:grpSpPr>
+      <p:sp>
+        <p:nvSpPr>
+          <p:cNvPr id="2" name="Title 1">
+            <a:extLst>
+              <a:ext uri="{FF2B5EF4-FFF2-40B4-BE49-F238E27FC236}">
+                <a16:creationId xmlns:a16="http://schemas.microsoft.com/office/drawing/2014/main" id="{7A4919D0-F177-4BBA-9A0B-DBA69E2ED764}"/>
+              </a:ext>
+            </a:extLst>
+          </p:cNvPr>
+          <p:cNvSpPr>
+            <a:spLocks noGrp="1"/>
+          </p:cNvSpPr>
+          <p:nvPr>
+            <p:ph type="title"/>
+          </p:nvPr>
+        </p:nvSpPr>
+        <p:spPr>
+          <a:xfrm>
+            <a:off x="777240" y="731520"/>
+            <a:ext cx="4907280" cy="1371600"/>
+          </a:xfrm>
+        </p:spPr>
+        <p:txBody>
+          <a:bodyPr>
+            <a:normAutofit/>
+          </a:bodyPr>
+          <a:lstStyle/>
+          <a:p>
+            <a:pPr algn="ctr"/>
+            <a:r>
+              <a:rPr lang="en-US" dirty="0"/>
+              <a:t>Gameplay</a:t>
+            </a:r>
+          </a:p>
+        </p:txBody>
+      </p:sp>
+      <p:sp>
+        <p:nvSpPr>
+          <p:cNvPr id="3" name="Content Placeholder 2">
+            <a:extLst>
+              <a:ext uri="{FF2B5EF4-FFF2-40B4-BE49-F238E27FC236}">
+                <a16:creationId xmlns:a16="http://schemas.microsoft.com/office/drawing/2014/main" id="{1CBC87F3-257B-408D-B8EA-3E67AB10601D}"/>
+              </a:ext>
+            </a:extLst>
+          </p:cNvPr>
+          <p:cNvSpPr>
+            <a:spLocks noGrp="1"/>
+          </p:cNvSpPr>
+          <p:nvPr>
+            <p:ph idx="1"/>
+          </p:nvPr>
+        </p:nvSpPr>
+        <p:spPr>
+          <a:xfrm>
+            <a:off x="1066800" y="2103120"/>
+            <a:ext cx="5608320" cy="3849624"/>
+          </a:xfrm>
+        </p:spPr>
+        <p:txBody>
+          <a:bodyPr/>
+          <a:lstStyle/>
+          <a:p>
+            <a:r>
+              <a:rPr lang="en-US" dirty="0"/>
+              <a:t>the player controls a character holding a bowl .you catch shapes falling from top to bottom. </a:t>
+            </a:r>
+          </a:p>
+          <a:p>
+            <a:r>
+              <a:rPr lang="en-US" dirty="0"/>
+              <a:t>You move by pressing buttons to move and dash around the screen.</a:t>
+            </a:r>
+          </a:p>
+          <a:p>
+            <a:r>
+              <a:rPr lang="en-US" dirty="0"/>
+              <a:t> The default </a:t>
+            </a:r>
+            <a:r>
+              <a:rPr lang="en-US" dirty="0" err="1"/>
+              <a:t>keybinds</a:t>
+            </a:r>
+            <a:r>
+              <a:rPr lang="en-US" dirty="0"/>
+              <a:t> are left/right arrows to move and shift to dash.</a:t>
+            </a:r>
+            <a:endParaRPr lang="en-IE" dirty="0"/>
+          </a:p>
+        </p:txBody>
+      </p:sp>
+      <p:pic>
+        <p:nvPicPr>
+          <p:cNvPr id="10" name="Picture 9">
+            <a:extLst>
+              <a:ext uri="{FF2B5EF4-FFF2-40B4-BE49-F238E27FC236}">
+                <a16:creationId xmlns:a16="http://schemas.microsoft.com/office/drawing/2014/main" id="{4E448F4E-5B6A-42BD-9BF7-ACB6BAF94873}"/>
+              </a:ext>
+            </a:extLst>
+          </p:cNvPr>
+          <p:cNvPicPr>
+            <a:picLocks noChangeAspect="1"/>
+          </p:cNvPicPr>
+          <p:nvPr/>
+        </p:nvPicPr>
+        <p:blipFill>
+          <a:blip r:embed="rId2">
+            <a:extLst>
+              <a:ext uri="{28A0092B-C50C-407E-A947-70E740481C1C}">
+                <a14:useLocalDpi xmlns:a14="http://schemas.microsoft.com/office/drawing/2010/main" val="0"/>
+              </a:ext>
+            </a:extLst>
+          </a:blip>
+          <a:stretch>
+            <a:fillRect/>
+          </a:stretch>
+        </p:blipFill>
+        <p:spPr>
+          <a:xfrm flipH="1">
+            <a:off x="8394544" y="621792"/>
+            <a:ext cx="3331348" cy="3218688"/>
+          </a:xfrm>
+          <a:prstGeom prst="rect">
+            <a:avLst/>
+          </a:prstGeom>
+        </p:spPr>
+      </p:pic>
+      <p:pic>
+        <p:nvPicPr>
+          <p:cNvPr id="12" name="Picture 11">
+            <a:extLst>
+              <a:ext uri="{FF2B5EF4-FFF2-40B4-BE49-F238E27FC236}">
+                <a16:creationId xmlns:a16="http://schemas.microsoft.com/office/drawing/2014/main" id="{FBB3F4E5-5023-41D1-BB84-3FE89022B67C}"/>
+              </a:ext>
+            </a:extLst>
+          </p:cNvPr>
+          <p:cNvPicPr>
+            <a:picLocks noChangeAspect="1"/>
+          </p:cNvPicPr>
+          <p:nvPr/>
+        </p:nvPicPr>
+        <p:blipFill>
+          <a:blip r:embed="rId3">
+            <a:extLst>
+              <a:ext uri="{28A0092B-C50C-407E-A947-70E740481C1C}">
+                <a14:useLocalDpi xmlns:a14="http://schemas.microsoft.com/office/drawing/2010/main" val="0"/>
+              </a:ext>
+            </a:extLst>
+          </a:blip>
+          <a:stretch>
+            <a:fillRect/>
+          </a:stretch>
+        </p:blipFill>
+        <p:spPr>
+          <a:xfrm>
+            <a:off x="5936274" y="2715199"/>
+            <a:ext cx="3364312" cy="3364312"/>
+          </a:xfrm>
+          <a:prstGeom prst="rect">
+            <a:avLst/>
+          </a:prstGeom>
+        </p:spPr>
+      </p:pic>
+      <p:pic>
+        <p:nvPicPr>
+          <p:cNvPr id="20" name="Picture 19">
+            <a:extLst>
+              <a:ext uri="{FF2B5EF4-FFF2-40B4-BE49-F238E27FC236}">
+                <a16:creationId xmlns:a16="http://schemas.microsoft.com/office/drawing/2014/main" id="{9539E5CC-1D3E-4030-B3E4-C8BB8961297D}"/>
+              </a:ext>
+            </a:extLst>
+          </p:cNvPr>
+          <p:cNvPicPr>
+            <a:picLocks noChangeAspect="1"/>
+          </p:cNvPicPr>
+          <p:nvPr/>
+        </p:nvPicPr>
+        <p:blipFill>
+          <a:blip r:embed="rId4">
+            <a:extLst>
+              <a:ext uri="{28A0092B-C50C-407E-A947-70E740481C1C}">
+                <a14:useLocalDpi xmlns:a14="http://schemas.microsoft.com/office/drawing/2010/main" val="0"/>
+              </a:ext>
+            </a:extLst>
+          </a:blip>
+          <a:stretch>
+            <a:fillRect/>
+          </a:stretch>
+        </p:blipFill>
+        <p:spPr>
+          <a:xfrm>
+            <a:off x="6495290" y="1126502"/>
+            <a:ext cx="1355262" cy="1282658"/>
+          </a:xfrm>
+          <a:prstGeom prst="rect">
+            <a:avLst/>
+          </a:prstGeom>
+        </p:spPr>
+      </p:pic>
+    </p:spTree>
+    <p:extLst>
+      <p:ext uri="{BB962C8B-B14F-4D97-AF65-F5344CB8AC3E}">
+        <p14:creationId xmlns:p14="http://schemas.microsoft.com/office/powerpoint/2010/main" val="2505337047"/>
+      </p:ext>
+    </p:extLst>
+  </p:cSld>
+  <p:clrMapOvr>
+    <a:masterClrMapping/>
+  </p:clrMapOvr>
+</p:sld>
+</file>
+
+<file path=ppt/slides/slide6.xml><?xml version="1.0" encoding="utf-8"?>
+<p:sld xmlns:a="http://schemas.openxmlformats.org/drawingml/2006/main" xmlns:r="http://schemas.openxmlformats.org/officeDocument/2006/relationships" xmlns:p="http://schemas.openxmlformats.org/presentationml/2006/main">
+  <p:cSld>
+    <p:spTree>
+      <p:nvGrpSpPr>
+        <p:cNvPr id="1" name=""/>
+        <p:cNvGrpSpPr/>
+        <p:nvPr/>
+      </p:nvGrpSpPr>
+      <p:grpSpPr>
+        <a:xfrm>
+          <a:off x="0" y="0"/>
+          <a:ext cx="0" cy="0"/>
+          <a:chOff x="0" y="0"/>
+          <a:chExt cx="0" cy="0"/>
+        </a:xfrm>
+      </p:grpSpPr>
+      <p:sp>
+        <p:nvSpPr>
+          <p:cNvPr id="2" name="Title 1">
+            <a:extLst>
+              <a:ext uri="{FF2B5EF4-FFF2-40B4-BE49-F238E27FC236}">
+                <a16:creationId xmlns:a16="http://schemas.microsoft.com/office/drawing/2014/main" id="{3A0D91EE-1388-4FE6-82B8-A0099BDC446A}"/>
+              </a:ext>
+            </a:extLst>
+          </p:cNvPr>
+          <p:cNvSpPr>
+            <a:spLocks noGrp="1"/>
+          </p:cNvSpPr>
+          <p:nvPr>
+            <p:ph type="title"/>
+          </p:nvPr>
+        </p:nvSpPr>
+        <p:spPr/>
+        <p:txBody>
+          <a:bodyPr/>
+          <a:lstStyle/>
+          <a:p>
+            <a:r>
+              <a:rPr lang="en-IE" dirty="0"/>
+              <a:t>Features</a:t>
+            </a:r>
+          </a:p>
+        </p:txBody>
+      </p:sp>
+      <p:sp>
+        <p:nvSpPr>
+          <p:cNvPr id="3" name="Content Placeholder 2">
+            <a:extLst>
+              <a:ext uri="{FF2B5EF4-FFF2-40B4-BE49-F238E27FC236}">
+                <a16:creationId xmlns:a16="http://schemas.microsoft.com/office/drawing/2014/main" id="{3A538A76-B5BA-4028-BC63-10626A6C29C1}"/>
+              </a:ext>
+            </a:extLst>
+          </p:cNvPr>
+          <p:cNvSpPr>
+            <a:spLocks noGrp="1"/>
+          </p:cNvSpPr>
+          <p:nvPr>
+            <p:ph idx="1"/>
+          </p:nvPr>
+        </p:nvSpPr>
+        <p:spPr>
+          <a:xfrm>
+            <a:off x="1066800" y="2103120"/>
+            <a:ext cx="6028944" cy="3849624"/>
+          </a:xfrm>
+        </p:spPr>
+        <p:txBody>
+          <a:bodyPr/>
+          <a:lstStyle/>
+          <a:p>
+            <a:r>
+              <a:rPr lang="en-US" dirty="0"/>
+              <a:t>Able to switch skin in built in skin maker. Design own falling shapes and catcher.</a:t>
+            </a:r>
+          </a:p>
+          <a:p>
+            <a:r>
+              <a:rPr lang="en-US" dirty="0"/>
+              <a:t>Shapes with a red outline, are special shapes that will appear to help you catch the next shape when dashing is considered</a:t>
+            </a:r>
+          </a:p>
+          <a:p>
+            <a:r>
+              <a:rPr lang="en-US" dirty="0"/>
+              <a:t>impossible to catch it in a strict timespan allocated. Collecting a outlined shape will make the catcher's dash fast enough </a:t>
+            </a:r>
+          </a:p>
+          <a:p>
+            <a:r>
+              <a:rPr lang="en-US" dirty="0"/>
+              <a:t>to catch the next shape.</a:t>
+            </a:r>
+            <a:endParaRPr lang="en-IE" dirty="0"/>
+          </a:p>
+        </p:txBody>
+      </p:sp>
+      <p:pic>
+        <p:nvPicPr>
+          <p:cNvPr id="5" name="Picture 4">
+            <a:extLst>
+              <a:ext uri="{FF2B5EF4-FFF2-40B4-BE49-F238E27FC236}">
+                <a16:creationId xmlns:a16="http://schemas.microsoft.com/office/drawing/2014/main" id="{ED062FA1-5D06-4FF0-8E49-703FBD16EC70}"/>
+              </a:ext>
+            </a:extLst>
+          </p:cNvPr>
+          <p:cNvPicPr>
+            <a:picLocks noChangeAspect="1"/>
+          </p:cNvPicPr>
+          <p:nvPr/>
+        </p:nvPicPr>
+        <p:blipFill>
+          <a:blip r:embed="rId2">
+            <a:extLst>
+              <a:ext uri="{28A0092B-C50C-407E-A947-70E740481C1C}">
+                <a14:useLocalDpi xmlns:a14="http://schemas.microsoft.com/office/drawing/2010/main" val="0"/>
+              </a:ext>
+            </a:extLst>
+          </a:blip>
+          <a:stretch>
+            <a:fillRect/>
+          </a:stretch>
+        </p:blipFill>
+        <p:spPr>
+          <a:xfrm>
+            <a:off x="7505700" y="1224307"/>
+            <a:ext cx="3619500" cy="3619500"/>
+          </a:xfrm>
+          <a:prstGeom prst="rect">
+            <a:avLst/>
+          </a:prstGeom>
+        </p:spPr>
+      </p:pic>
+    </p:spTree>
+    <p:extLst>
+      <p:ext uri="{BB962C8B-B14F-4D97-AF65-F5344CB8AC3E}">
+        <p14:creationId xmlns:p14="http://schemas.microsoft.com/office/powerpoint/2010/main" val="2640195549"/>
+      </p:ext>
+    </p:extLst>
+  </p:cSld>
+  <p:clrMapOvr>
+    <a:masterClrMapping/>
+  </p:clrMapOvr>
+</p:sld>
+</file>
+
+<file path=ppt/slides/slide7.xml><?xml version="1.0" encoding="utf-8"?>
+<p:sld xmlns:a="http://schemas.openxmlformats.org/drawingml/2006/main" xmlns:r="http://schemas.openxmlformats.org/officeDocument/2006/relationships" xmlns:p="http://schemas.openxmlformats.org/presentationml/2006/main">
+  <p:cSld>
+    <p:spTree>
+      <p:nvGrpSpPr>
+        <p:cNvPr id="1" name=""/>
+        <p:cNvGrpSpPr/>
+        <p:nvPr/>
+      </p:nvGrpSpPr>
+      <p:grpSpPr>
+        <a:xfrm>
+          <a:off x="0" y="0"/>
+          <a:ext cx="0" cy="0"/>
+          <a:chOff x="0" y="0"/>
+          <a:chExt cx="0" cy="0"/>
+        </a:xfrm>
+      </p:grpSpPr>
+      <p:sp>
+        <p:nvSpPr>
+          <p:cNvPr id="2" name="Title 1">
+            <a:extLst>
+              <a:ext uri="{FF2B5EF4-FFF2-40B4-BE49-F238E27FC236}">
+                <a16:creationId xmlns:a16="http://schemas.microsoft.com/office/drawing/2014/main" id="{09C4D1E9-F260-44A7-8135-ADFD3984CC55}"/>
+              </a:ext>
+            </a:extLst>
+          </p:cNvPr>
+          <p:cNvSpPr>
+            <a:spLocks noGrp="1"/>
+          </p:cNvSpPr>
+          <p:nvPr>
+            <p:ph type="title"/>
+          </p:nvPr>
+        </p:nvSpPr>
+        <p:spPr>
+          <a:xfrm>
+            <a:off x="1066800" y="642594"/>
+            <a:ext cx="4255008" cy="1371600"/>
+          </a:xfrm>
+        </p:spPr>
+        <p:txBody>
+          <a:bodyPr/>
+          <a:lstStyle/>
+          <a:p>
+            <a:r>
+              <a:rPr lang="en-IE" dirty="0"/>
+              <a:t>Market Analysis</a:t>
+            </a:r>
+          </a:p>
+        </p:txBody>
+      </p:sp>
+      <p:sp>
+        <p:nvSpPr>
+          <p:cNvPr id="3" name="Content Placeholder 2">
+            <a:extLst>
+              <a:ext uri="{FF2B5EF4-FFF2-40B4-BE49-F238E27FC236}">
+                <a16:creationId xmlns:a16="http://schemas.microsoft.com/office/drawing/2014/main" id="{77C8F9AD-F967-4F39-BEF4-103031CC60DE}"/>
+              </a:ext>
+            </a:extLst>
+          </p:cNvPr>
+          <p:cNvSpPr>
+            <a:spLocks noGrp="1"/>
+          </p:cNvSpPr>
+          <p:nvPr>
+            <p:ph idx="1"/>
+          </p:nvPr>
+        </p:nvSpPr>
+        <p:spPr>
+          <a:xfrm>
+            <a:off x="1066800" y="2103120"/>
+            <a:ext cx="5434584" cy="3849624"/>
+          </a:xfrm>
+        </p:spPr>
+        <p:txBody>
+          <a:bodyPr/>
+          <a:lstStyle/>
+          <a:p>
+            <a:r>
+              <a:rPr lang="en-US" dirty="0"/>
+              <a:t>Compared to Fruit Ninja. And other catching games.</a:t>
+            </a:r>
+          </a:p>
+          <a:p>
+            <a:r>
+              <a:rPr lang="en-US" dirty="0"/>
+              <a:t>Aims to make money is with a small price of 4.99$</a:t>
+            </a:r>
+          </a:p>
+          <a:p>
+            <a:endParaRPr lang="en-IE" dirty="0"/>
+          </a:p>
+        </p:txBody>
+      </p:sp>
+    </p:spTree>
+    <p:extLst>
+      <p:ext uri="{BB962C8B-B14F-4D97-AF65-F5344CB8AC3E}">
+        <p14:creationId xmlns:p14="http://schemas.microsoft.com/office/powerpoint/2010/main" val="3762308312"/>
+      </p:ext>
+    </p:extLst>
+  </p:cSld>
+  <p:clrMapOvr>
+    <a:masterClrMapping/>
+  </p:clrMapOvr>
+</p:sld>
+</file>
+
 <file path=ppt/theme/theme1.xml><?xml version="1.0" encoding="utf-8"?>
 <a:theme xmlns:a="http://schemas.openxmlformats.org/drawingml/2006/main" name="SavonVTI">
   <a:themeElements>
